--- a/graphs/final_graphs/presentation_final.pptx
+++ b/graphs/final_graphs/presentation_final.pptx
@@ -5,14 +5,13 @@
     <p:sldMasterId id="2147483648" r:id="rId1"/>
   </p:sldMasterIdLst>
   <p:sldIdLst>
-    <p:sldId id="256" r:id="rId2"/>
-    <p:sldId id="260" r:id="rId3"/>
-    <p:sldId id="258" r:id="rId4"/>
-    <p:sldId id="259" r:id="rId5"/>
-    <p:sldId id="261" r:id="rId6"/>
-    <p:sldId id="262" r:id="rId7"/>
-    <p:sldId id="263" r:id="rId8"/>
-    <p:sldId id="264" r:id="rId9"/>
+    <p:sldId id="260" r:id="rId2"/>
+    <p:sldId id="258" r:id="rId3"/>
+    <p:sldId id="259" r:id="rId4"/>
+    <p:sldId id="261" r:id="rId5"/>
+    <p:sldId id="262" r:id="rId6"/>
+    <p:sldId id="263" r:id="rId7"/>
+    <p:sldId id="264" r:id="rId8"/>
   </p:sldIdLst>
   <p:sldSz cx="12192000" cy="6858000"/>
   <p:notesSz cx="6858000" cy="9144000"/>
@@ -6056,7 +6055,7 @@
           <p:cNvPr id="2" name="Title 1">
             <a:extLst>
               <a:ext uri="{FF2B5EF4-FFF2-40B4-BE49-F238E27FC236}">
-                <a16:creationId xmlns:a16="http://schemas.microsoft.com/office/drawing/2014/main" id="{B1B5A233-175C-2E4D-AB94-0D6F5CAE8BB8}"/>
+                <a16:creationId xmlns:a16="http://schemas.microsoft.com/office/drawing/2014/main" id="{C2306CBE-CFAC-7749-994A-41349647AB25}"/>
               </a:ext>
             </a:extLst>
           </p:cNvPr>
@@ -6064,66 +6063,60 @@
             <a:spLocks noGrp="1"/>
           </p:cNvSpPr>
           <p:nvPr>
-            <p:ph type="ctrTitle"/>
-          </p:nvPr>
-        </p:nvSpPr>
-        <p:spPr/>
+            <p:ph type="title"/>
+          </p:nvPr>
+        </p:nvSpPr>
+        <p:spPr>
+          <a:xfrm>
+            <a:off x="913774" y="141439"/>
+            <a:ext cx="10364451" cy="772961"/>
+          </a:xfrm>
+        </p:spPr>
         <p:txBody>
           <a:bodyPr/>
           <a:lstStyle/>
           <a:p>
             <a:r>
               <a:rPr lang="en-US" dirty="0"/>
-              <a:t>CCA Over satellite INITIAL Tuning</a:t>
-            </a:r>
-          </a:p>
-        </p:txBody>
-      </p:sp>
-      <p:sp>
-        <p:nvSpPr>
-          <p:cNvPr id="3" name="Subtitle 2">
+              <a:t>CUBIC (ON vs OFF)</a:t>
+            </a:r>
+          </a:p>
+        </p:txBody>
+      </p:sp>
+      <p:pic>
+        <p:nvPicPr>
+          <p:cNvPr id="4" name="Picture 3">
             <a:extLst>
               <a:ext uri="{FF2B5EF4-FFF2-40B4-BE49-F238E27FC236}">
-                <a16:creationId xmlns:a16="http://schemas.microsoft.com/office/drawing/2014/main" id="{58663A09-E9BE-4642-93FC-0DC3117F49FC}"/>
+                <a16:creationId xmlns:a16="http://schemas.microsoft.com/office/drawing/2014/main" id="{923DD182-46DB-494C-9F07-C5259A468FF8}"/>
               </a:ext>
             </a:extLst>
           </p:cNvPr>
-          <p:cNvSpPr>
-            <a:spLocks noGrp="1"/>
-          </p:cNvSpPr>
-          <p:nvPr>
-            <p:ph type="subTitle" idx="1"/>
-          </p:nvPr>
-        </p:nvSpPr>
-        <p:spPr/>
-        <p:txBody>
-          <a:bodyPr/>
-          <a:lstStyle/>
-          <a:p>
-            <a:r>
-              <a:rPr lang="en-US" dirty="0"/>
-              <a:t>Grace </a:t>
-            </a:r>
-            <a:r>
-              <a:rPr lang="en-US" dirty="0" err="1"/>
-              <a:t>Antedomenico</a:t>
-            </a:r>
-            <a:r>
-              <a:rPr lang="en-US" dirty="0"/>
-              <a:t>, Alex Simoneau, and Jacob </a:t>
-            </a:r>
-            <a:r>
-              <a:rPr lang="en-US" dirty="0" err="1"/>
-              <a:t>Tutlis</a:t>
-            </a:r>
-            <a:endParaRPr lang="en-US" dirty="0"/>
-          </a:p>
-        </p:txBody>
-      </p:sp>
+          <p:cNvPicPr>
+            <a:picLocks noChangeAspect="1"/>
+          </p:cNvPicPr>
+          <p:nvPr/>
+        </p:nvPicPr>
+        <p:blipFill>
+          <a:blip r:embed="rId2"/>
+          <a:stretch>
+            <a:fillRect/>
+          </a:stretch>
+        </p:blipFill>
+        <p:spPr>
+          <a:xfrm>
+            <a:off x="321274" y="909119"/>
+            <a:ext cx="11549449" cy="5807442"/>
+          </a:xfrm>
+          <a:prstGeom prst="rect">
+            <a:avLst/>
+          </a:prstGeom>
+        </p:spPr>
+      </p:pic>
     </p:spTree>
     <p:extLst>
       <p:ext uri="{BB962C8B-B14F-4D97-AF65-F5344CB8AC3E}">
-        <p14:creationId xmlns:p14="http://schemas.microsoft.com/office/powerpoint/2010/main" val="3469796236"/>
+        <p14:creationId xmlns:p14="http://schemas.microsoft.com/office/powerpoint/2010/main" val="1009752654"/>
       </p:ext>
     </p:extLst>
   </p:cSld>
@@ -6178,17 +6171,25 @@
           <a:p>
             <a:r>
               <a:rPr lang="en-US" dirty="0"/>
-              <a:t>CUBIC (ON vs OFF)</a:t>
+              <a:t>CUBIC (</a:t>
+            </a:r>
+            <a:r>
+              <a:rPr lang="en-US" dirty="0" err="1"/>
+              <a:t>Hystart</a:t>
+            </a:r>
+            <a:r>
+              <a:rPr lang="en-US" dirty="0"/>
+              <a:t> ON)</a:t>
             </a:r>
           </a:p>
         </p:txBody>
       </p:sp>
       <p:pic>
         <p:nvPicPr>
-          <p:cNvPr id="4" name="Picture 3">
+          <p:cNvPr id="3" name="Picture 2">
             <a:extLst>
               <a:ext uri="{FF2B5EF4-FFF2-40B4-BE49-F238E27FC236}">
-                <a16:creationId xmlns:a16="http://schemas.microsoft.com/office/drawing/2014/main" id="{923DD182-46DB-494C-9F07-C5259A468FF8}"/>
+                <a16:creationId xmlns:a16="http://schemas.microsoft.com/office/drawing/2014/main" id="{BFA47265-6E50-7348-982B-A1DD66CECBFA}"/>
               </a:ext>
             </a:extLst>
           </p:cNvPr>
@@ -6199,14 +6200,13 @@
         </p:nvPicPr>
         <p:blipFill>
           <a:blip r:embed="rId2"/>
-          <a:stretch>
-            <a:fillRect/>
-          </a:stretch>
+          <a:srcRect/>
+          <a:stretch/>
         </p:blipFill>
         <p:spPr>
           <a:xfrm>
             <a:off x="321274" y="909119"/>
-            <a:ext cx="11549449" cy="5807442"/>
+            <a:ext cx="11549448" cy="5807442"/>
           </a:xfrm>
           <a:prstGeom prst="rect">
             <a:avLst/>
@@ -6216,7 +6216,7 @@
     </p:spTree>
     <p:extLst>
       <p:ext uri="{BB962C8B-B14F-4D97-AF65-F5344CB8AC3E}">
-        <p14:creationId xmlns:p14="http://schemas.microsoft.com/office/powerpoint/2010/main" val="1009752654"/>
+        <p14:creationId xmlns:p14="http://schemas.microsoft.com/office/powerpoint/2010/main" val="3655890731"/>
       </p:ext>
     </p:extLst>
   </p:cSld>
@@ -6271,15 +6271,7 @@
           <a:p>
             <a:r>
               <a:rPr lang="en-US" dirty="0"/>
-              <a:t>CUBIC (</a:t>
-            </a:r>
-            <a:r>
-              <a:rPr lang="en-US" dirty="0" err="1"/>
-              <a:t>Hystart</a:t>
-            </a:r>
-            <a:r>
-              <a:rPr lang="en-US" dirty="0"/>
-              <a:t> ON)</a:t>
+              <a:t>CUBIC (HYSTART OFF)</a:t>
             </a:r>
           </a:p>
         </p:txBody>
@@ -6289,7 +6281,7 @@
           <p:cNvPr id="3" name="Picture 2">
             <a:extLst>
               <a:ext uri="{FF2B5EF4-FFF2-40B4-BE49-F238E27FC236}">
-                <a16:creationId xmlns:a16="http://schemas.microsoft.com/office/drawing/2014/main" id="{BFA47265-6E50-7348-982B-A1DD66CECBFA}"/>
+                <a16:creationId xmlns:a16="http://schemas.microsoft.com/office/drawing/2014/main" id="{220E8A7B-12FA-104F-BBF0-7F45EF173F28}"/>
               </a:ext>
             </a:extLst>
           </p:cNvPr>
@@ -6316,7 +6308,7 @@
     </p:spTree>
     <p:extLst>
       <p:ext uri="{BB962C8B-B14F-4D97-AF65-F5344CB8AC3E}">
-        <p14:creationId xmlns:p14="http://schemas.microsoft.com/office/powerpoint/2010/main" val="3655890731"/>
+        <p14:creationId xmlns:p14="http://schemas.microsoft.com/office/powerpoint/2010/main" val="2351006826"/>
       </p:ext>
     </p:extLst>
   </p:cSld>
@@ -6371,7 +6363,7 @@
           <a:p>
             <a:r>
               <a:rPr lang="en-US" dirty="0"/>
-              <a:t>CUBIC (HYSTART OFF)</a:t>
+              <a:t>BBR</a:t>
             </a:r>
           </a:p>
         </p:txBody>
@@ -6381,7 +6373,7 @@
           <p:cNvPr id="3" name="Picture 2">
             <a:extLst>
               <a:ext uri="{FF2B5EF4-FFF2-40B4-BE49-F238E27FC236}">
-                <a16:creationId xmlns:a16="http://schemas.microsoft.com/office/drawing/2014/main" id="{220E8A7B-12FA-104F-BBF0-7F45EF173F28}"/>
+                <a16:creationId xmlns:a16="http://schemas.microsoft.com/office/drawing/2014/main" id="{2AF1C7DC-9AAD-E64E-8E17-32D65B1ADAC2}"/>
               </a:ext>
             </a:extLst>
           </p:cNvPr>
@@ -6408,7 +6400,7 @@
     </p:spTree>
     <p:extLst>
       <p:ext uri="{BB962C8B-B14F-4D97-AF65-F5344CB8AC3E}">
-        <p14:creationId xmlns:p14="http://schemas.microsoft.com/office/powerpoint/2010/main" val="2351006826"/>
+        <p14:creationId xmlns:p14="http://schemas.microsoft.com/office/powerpoint/2010/main" val="160878780"/>
       </p:ext>
     </p:extLst>
   </p:cSld>
@@ -6463,7 +6455,7 @@
           <a:p>
             <a:r>
               <a:rPr lang="en-US" dirty="0"/>
-              <a:t>BBR</a:t>
+              <a:t>HYBLA</a:t>
             </a:r>
           </a:p>
         </p:txBody>
@@ -6473,7 +6465,7 @@
           <p:cNvPr id="3" name="Picture 2">
             <a:extLst>
               <a:ext uri="{FF2B5EF4-FFF2-40B4-BE49-F238E27FC236}">
-                <a16:creationId xmlns:a16="http://schemas.microsoft.com/office/drawing/2014/main" id="{2AF1C7DC-9AAD-E64E-8E17-32D65B1ADAC2}"/>
+                <a16:creationId xmlns:a16="http://schemas.microsoft.com/office/drawing/2014/main" id="{5D573DCB-DD08-9F47-95A7-19B7CBD82A4B}"/>
               </a:ext>
             </a:extLst>
           </p:cNvPr>
@@ -6500,7 +6492,7 @@
     </p:spTree>
     <p:extLst>
       <p:ext uri="{BB962C8B-B14F-4D97-AF65-F5344CB8AC3E}">
-        <p14:creationId xmlns:p14="http://schemas.microsoft.com/office/powerpoint/2010/main" val="160878780"/>
+        <p14:creationId xmlns:p14="http://schemas.microsoft.com/office/powerpoint/2010/main" val="1814224349"/>
       </p:ext>
     </p:extLst>
   </p:cSld>
@@ -6555,98 +6547,6 @@
           <a:p>
             <a:r>
               <a:rPr lang="en-US" dirty="0"/>
-              <a:t>HYBLA</a:t>
-            </a:r>
-          </a:p>
-        </p:txBody>
-      </p:sp>
-      <p:pic>
-        <p:nvPicPr>
-          <p:cNvPr id="3" name="Picture 2">
-            <a:extLst>
-              <a:ext uri="{FF2B5EF4-FFF2-40B4-BE49-F238E27FC236}">
-                <a16:creationId xmlns:a16="http://schemas.microsoft.com/office/drawing/2014/main" id="{5D573DCB-DD08-9F47-95A7-19B7CBD82A4B}"/>
-              </a:ext>
-            </a:extLst>
-          </p:cNvPr>
-          <p:cNvPicPr>
-            <a:picLocks noChangeAspect="1"/>
-          </p:cNvPicPr>
-          <p:nvPr/>
-        </p:nvPicPr>
-        <p:blipFill>
-          <a:blip r:embed="rId2"/>
-          <a:srcRect/>
-          <a:stretch/>
-        </p:blipFill>
-        <p:spPr>
-          <a:xfrm>
-            <a:off x="321274" y="909119"/>
-            <a:ext cx="11549448" cy="5807442"/>
-          </a:xfrm>
-          <a:prstGeom prst="rect">
-            <a:avLst/>
-          </a:prstGeom>
-        </p:spPr>
-      </p:pic>
-    </p:spTree>
-    <p:extLst>
-      <p:ext uri="{BB962C8B-B14F-4D97-AF65-F5344CB8AC3E}">
-        <p14:creationId xmlns:p14="http://schemas.microsoft.com/office/powerpoint/2010/main" val="1814224349"/>
-      </p:ext>
-    </p:extLst>
-  </p:cSld>
-  <p:clrMapOvr>
-    <a:masterClrMapping/>
-  </p:clrMapOvr>
-</p:sld>
-</file>
-
-<file path=ppt/slides/slide7.xml><?xml version="1.0" encoding="utf-8"?>
-<p:sld xmlns:a="http://schemas.openxmlformats.org/drawingml/2006/main" xmlns:r="http://schemas.openxmlformats.org/officeDocument/2006/relationships" xmlns:p="http://schemas.openxmlformats.org/presentationml/2006/main">
-  <p:cSld>
-    <p:spTree>
-      <p:nvGrpSpPr>
-        <p:cNvPr id="1" name=""/>
-        <p:cNvGrpSpPr/>
-        <p:nvPr/>
-      </p:nvGrpSpPr>
-      <p:grpSpPr>
-        <a:xfrm>
-          <a:off x="0" y="0"/>
-          <a:ext cx="0" cy="0"/>
-          <a:chOff x="0" y="0"/>
-          <a:chExt cx="0" cy="0"/>
-        </a:xfrm>
-      </p:grpSpPr>
-      <p:sp>
-        <p:nvSpPr>
-          <p:cNvPr id="2" name="Title 1">
-            <a:extLst>
-              <a:ext uri="{FF2B5EF4-FFF2-40B4-BE49-F238E27FC236}">
-                <a16:creationId xmlns:a16="http://schemas.microsoft.com/office/drawing/2014/main" id="{C2306CBE-CFAC-7749-994A-41349647AB25}"/>
-              </a:ext>
-            </a:extLst>
-          </p:cNvPr>
-          <p:cNvSpPr>
-            <a:spLocks noGrp="1"/>
-          </p:cNvSpPr>
-          <p:nvPr>
-            <p:ph type="title"/>
-          </p:nvPr>
-        </p:nvSpPr>
-        <p:spPr>
-          <a:xfrm>
-            <a:off x="913774" y="141439"/>
-            <a:ext cx="10364451" cy="772961"/>
-          </a:xfrm>
-        </p:spPr>
-        <p:txBody>
-          <a:bodyPr/>
-          <a:lstStyle/>
-          <a:p>
-            <a:r>
-              <a:rPr lang="en-US" dirty="0"/>
               <a:t>PCC</a:t>
             </a:r>
           </a:p>
@@ -6694,7 +6594,7 @@
 </p:sld>
 </file>
 
-<file path=ppt/slides/slide8.xml><?xml version="1.0" encoding="utf-8"?>
+<file path=ppt/slides/slide7.xml><?xml version="1.0" encoding="utf-8"?>
 <p:sld xmlns:a="http://schemas.openxmlformats.org/drawingml/2006/main" xmlns:r="http://schemas.openxmlformats.org/officeDocument/2006/relationships" xmlns:p="http://schemas.openxmlformats.org/presentationml/2006/main">
   <p:cSld>
     <p:spTree>

--- a/graphs/final_graphs/presentation_final.pptx
+++ b/graphs/final_graphs/presentation_final.pptx
@@ -12,6 +12,7 @@
     <p:sldId id="262" r:id="rId6"/>
     <p:sldId id="263" r:id="rId7"/>
     <p:sldId id="264" r:id="rId8"/>
+    <p:sldId id="265" r:id="rId9"/>
   </p:sldIdLst>
   <p:sldSz cx="12192000" cy="6858000"/>
   <p:notesSz cx="6858000" cy="9144000"/>
@@ -110,6 +111,11 @@
       </a:defRPr>
     </a:lvl9pPr>
   </p:defaultTextStyle>
+  <p:extLst>
+    <p:ext uri="{EFAFB233-063F-42B5-8137-9DF3F51BA10A}">
+      <p15:sldGuideLst xmlns:p15="http://schemas.microsoft.com/office/powerpoint/2012/main"/>
+    </p:ext>
+  </p:extLst>
 </p:presentation>
 </file>
 
@@ -284,7 +290,7 @@
           <a:p>
             <a:fld id="{48A87A34-81AB-432B-8DAE-1953F412C126}" type="datetimeFigureOut">
               <a:rPr lang="en-US" dirty="0"/>
-              <a:t>10/14/20</a:t>
+              <a:t>10/18/20</a:t>
             </a:fld>
             <a:endParaRPr lang="en-US" dirty="0"/>
           </a:p>
@@ -591,7 +597,7 @@
           <a:p>
             <a:fld id="{48A87A34-81AB-432B-8DAE-1953F412C126}" type="datetimeFigureOut">
               <a:rPr lang="en-US" dirty="0"/>
-              <a:t>10/14/20</a:t>
+              <a:t>10/18/20</a:t>
             </a:fld>
             <a:endParaRPr lang="en-US" dirty="0"/>
           </a:p>
@@ -808,7 +814,7 @@
           <a:p>
             <a:fld id="{48A87A34-81AB-432B-8DAE-1953F412C126}" type="datetimeFigureOut">
               <a:rPr lang="en-US" dirty="0"/>
-              <a:t>10/14/20</a:t>
+              <a:t>10/18/20</a:t>
             </a:fld>
             <a:endParaRPr lang="en-US" dirty="0"/>
           </a:p>
@@ -1094,7 +1100,7 @@
           <a:p>
             <a:fld id="{48A87A34-81AB-432B-8DAE-1953F412C126}" type="datetimeFigureOut">
               <a:rPr lang="en-US" dirty="0"/>
-              <a:t>10/14/20</a:t>
+              <a:t>10/18/20</a:t>
             </a:fld>
             <a:endParaRPr lang="en-US" dirty="0"/>
           </a:p>
@@ -1543,7 +1549,7 @@
           <a:p>
             <a:fld id="{48A87A34-81AB-432B-8DAE-1953F412C126}" type="datetimeFigureOut">
               <a:rPr lang="en-US" dirty="0"/>
-              <a:t>10/14/20</a:t>
+              <a:t>10/18/20</a:t>
             </a:fld>
             <a:endParaRPr lang="en-US" dirty="0"/>
           </a:p>
@@ -2114,7 +2120,7 @@
           <a:p>
             <a:fld id="{48A87A34-81AB-432B-8DAE-1953F412C126}" type="datetimeFigureOut">
               <a:rPr lang="en-US" dirty="0"/>
-              <a:t>10/14/20</a:t>
+              <a:t>10/18/20</a:t>
             </a:fld>
             <a:endParaRPr lang="en-US" dirty="0"/>
           </a:p>
@@ -2961,7 +2967,7 @@
           <a:p>
             <a:fld id="{48A87A34-81AB-432B-8DAE-1953F412C126}" type="datetimeFigureOut">
               <a:rPr lang="en-US" dirty="0"/>
-              <a:t>10/14/20</a:t>
+              <a:t>10/18/20</a:t>
             </a:fld>
             <a:endParaRPr lang="en-US" dirty="0"/>
           </a:p>
@@ -3161,7 +3167,7 @@
           <a:p>
             <a:fld id="{48A87A34-81AB-432B-8DAE-1953F412C126}" type="datetimeFigureOut">
               <a:rPr lang="en-US" dirty="0"/>
-              <a:t>10/14/20</a:t>
+              <a:t>10/18/20</a:t>
             </a:fld>
             <a:endParaRPr lang="en-US" dirty="0"/>
           </a:p>
@@ -3370,7 +3376,7 @@
           <a:p>
             <a:fld id="{48A87A34-81AB-432B-8DAE-1953F412C126}" type="datetimeFigureOut">
               <a:rPr lang="en-US" dirty="0"/>
-              <a:t>10/14/20</a:t>
+              <a:t>10/18/20</a:t>
             </a:fld>
             <a:endParaRPr lang="en-US" dirty="0"/>
           </a:p>
@@ -3570,7 +3576,7 @@
           <a:p>
             <a:fld id="{48A87A34-81AB-432B-8DAE-1953F412C126}" type="datetimeFigureOut">
               <a:rPr lang="en-US" dirty="0"/>
-              <a:t>10/14/20</a:t>
+              <a:t>10/18/20</a:t>
             </a:fld>
             <a:endParaRPr lang="en-US" dirty="0"/>
           </a:p>
@@ -3845,7 +3851,7 @@
           <a:p>
             <a:fld id="{48A87A34-81AB-432B-8DAE-1953F412C126}" type="datetimeFigureOut">
               <a:rPr lang="en-US" dirty="0"/>
-              <a:t>10/14/20</a:t>
+              <a:t>10/18/20</a:t>
             </a:fld>
             <a:endParaRPr lang="en-US" dirty="0"/>
           </a:p>
@@ -4107,7 +4113,7 @@
           <a:p>
             <a:fld id="{48A87A34-81AB-432B-8DAE-1953F412C126}" type="datetimeFigureOut">
               <a:rPr lang="en-US" dirty="0"/>
-              <a:t>10/14/20</a:t>
+              <a:t>10/18/20</a:t>
             </a:fld>
             <a:endParaRPr lang="en-US" dirty="0"/>
           </a:p>
@@ -4517,7 +4523,7 @@
           <a:p>
             <a:fld id="{48A87A34-81AB-432B-8DAE-1953F412C126}" type="datetimeFigureOut">
               <a:rPr lang="en-US" dirty="0"/>
-              <a:t>10/14/20</a:t>
+              <a:t>10/18/20</a:t>
             </a:fld>
             <a:endParaRPr lang="en-US" dirty="0"/>
           </a:p>
@@ -4660,7 +4666,7 @@
           <a:p>
             <a:fld id="{48A87A34-81AB-432B-8DAE-1953F412C126}" type="datetimeFigureOut">
               <a:rPr lang="en-US" dirty="0"/>
-              <a:t>10/14/20</a:t>
+              <a:t>10/18/20</a:t>
             </a:fld>
             <a:endParaRPr lang="en-US" dirty="0"/>
           </a:p>
@@ -4780,7 +4786,7 @@
           <a:p>
             <a:fld id="{48A87A34-81AB-432B-8DAE-1953F412C126}" type="datetimeFigureOut">
               <a:rPr lang="en-US" dirty="0"/>
-              <a:t>10/14/20</a:t>
+              <a:t>10/18/20</a:t>
             </a:fld>
             <a:endParaRPr lang="en-US" dirty="0"/>
           </a:p>
@@ -5054,7 +5060,7 @@
           <a:p>
             <a:fld id="{48A87A34-81AB-432B-8DAE-1953F412C126}" type="datetimeFigureOut">
               <a:rPr lang="en-US" dirty="0"/>
-              <a:t>10/14/20</a:t>
+              <a:t>10/18/20</a:t>
             </a:fld>
             <a:endParaRPr lang="en-US" dirty="0"/>
           </a:p>
@@ -5361,7 +5367,7 @@
           <a:p>
             <a:fld id="{48A87A34-81AB-432B-8DAE-1953F412C126}" type="datetimeFigureOut">
               <a:rPr lang="en-US" dirty="0"/>
-              <a:t>10/14/20</a:t>
+              <a:t>10/18/20</a:t>
             </a:fld>
             <a:endParaRPr lang="en-US" dirty="0"/>
           </a:p>
@@ -5610,7 +5616,7 @@
             <a:fld id="{48A87A34-81AB-432B-8DAE-1953F412C126}" type="datetimeFigureOut">
               <a:rPr lang="en-US" dirty="0"/>
               <a:pPr/>
-              <a:t>10/14/20</a:t>
+              <a:t>10/18/20</a:t>
             </a:fld>
             <a:endParaRPr lang="en-US" dirty="0"/>
           </a:p>
@@ -6686,6 +6692,123 @@
 </p:sld>
 </file>
 
+<file path=ppt/slides/slide8.xml><?xml version="1.0" encoding="utf-8"?>
+<p:sld xmlns:a="http://schemas.openxmlformats.org/drawingml/2006/main" xmlns:r="http://schemas.openxmlformats.org/officeDocument/2006/relationships" xmlns:p="http://schemas.openxmlformats.org/presentationml/2006/main">
+  <p:cSld>
+    <p:spTree>
+      <p:nvGrpSpPr>
+        <p:cNvPr id="1" name=""/>
+        <p:cNvGrpSpPr/>
+        <p:nvPr/>
+      </p:nvGrpSpPr>
+      <p:grpSpPr>
+        <a:xfrm>
+          <a:off x="0" y="0"/>
+          <a:ext cx="0" cy="0"/>
+          <a:chOff x="0" y="0"/>
+          <a:chExt cx="0" cy="0"/>
+        </a:xfrm>
+      </p:grpSpPr>
+      <p:sp>
+        <p:nvSpPr>
+          <p:cNvPr id="2" name="Title 1">
+            <a:extLst>
+              <a:ext uri="{FF2B5EF4-FFF2-40B4-BE49-F238E27FC236}">
+                <a16:creationId xmlns:a16="http://schemas.microsoft.com/office/drawing/2014/main" id="{C2306CBE-CFAC-7749-994A-41349647AB25}"/>
+              </a:ext>
+            </a:extLst>
+          </p:cNvPr>
+          <p:cNvSpPr>
+            <a:spLocks noGrp="1"/>
+          </p:cNvSpPr>
+          <p:nvPr>
+            <p:ph type="title"/>
+          </p:nvPr>
+        </p:nvSpPr>
+        <p:spPr>
+          <a:xfrm>
+            <a:off x="913774" y="141439"/>
+            <a:ext cx="10364451" cy="772961"/>
+          </a:xfrm>
+        </p:spPr>
+        <p:txBody>
+          <a:bodyPr>
+            <a:noAutofit/>
+          </a:bodyPr>
+          <a:lstStyle/>
+          <a:p>
+            <a:r>
+              <a:rPr lang="en-US" sz="3200" dirty="0"/>
+              <a:t>Cubic </a:t>
+            </a:r>
+            <a:r>
+              <a:rPr lang="en-US" sz="3200" dirty="0" err="1"/>
+              <a:t>Hystart</a:t>
+            </a:r>
+            <a:r>
+              <a:rPr lang="en-US" sz="3200" dirty="0"/>
+              <a:t> off: </a:t>
+            </a:r>
+            <a:br>
+              <a:rPr lang="en-US" sz="3200" dirty="0"/>
+            </a:br>
+            <a:r>
+              <a:rPr lang="en-US" sz="3200" dirty="0"/>
+              <a:t>Default vs no SACKs, and </a:t>
+            </a:r>
+            <a:r>
+              <a:rPr lang="en-US" sz="3200" dirty="0" err="1"/>
+              <a:t>rcwnd</a:t>
+            </a:r>
+            <a:r>
+              <a:rPr lang="en-US" sz="3200" dirty="0"/>
+              <a:t> 10000</a:t>
+            </a:r>
+          </a:p>
+        </p:txBody>
+      </p:sp>
+      <p:pic>
+        <p:nvPicPr>
+          <p:cNvPr id="3" name="Picture 2">
+            <a:extLst>
+              <a:ext uri="{FF2B5EF4-FFF2-40B4-BE49-F238E27FC236}">
+                <a16:creationId xmlns:a16="http://schemas.microsoft.com/office/drawing/2014/main" id="{771D1B55-860A-5C4C-89AA-E26AFBEC3383}"/>
+              </a:ext>
+            </a:extLst>
+          </p:cNvPr>
+          <p:cNvPicPr>
+            <a:picLocks noChangeAspect="1"/>
+          </p:cNvPicPr>
+          <p:nvPr/>
+        </p:nvPicPr>
+        <p:blipFill>
+          <a:blip r:embed="rId2"/>
+          <a:srcRect/>
+          <a:stretch/>
+        </p:blipFill>
+        <p:spPr>
+          <a:xfrm>
+            <a:off x="321274" y="913191"/>
+            <a:ext cx="11549448" cy="5799297"/>
+          </a:xfrm>
+          <a:prstGeom prst="rect">
+            <a:avLst/>
+          </a:prstGeom>
+        </p:spPr>
+      </p:pic>
+    </p:spTree>
+    <p:extLst>
+      <p:ext uri="{BB962C8B-B14F-4D97-AF65-F5344CB8AC3E}">
+        <p14:creationId xmlns:p14="http://schemas.microsoft.com/office/powerpoint/2010/main" val="3289890465"/>
+      </p:ext>
+    </p:extLst>
+  </p:cSld>
+  <p:clrMapOvr>
+    <a:masterClrMapping/>
+  </p:clrMapOvr>
+</p:sld>
+</file>
+
 <file path=ppt/theme/theme1.xml><?xml version="1.0" encoding="utf-8"?>
 <a:theme xmlns:a="http://schemas.openxmlformats.org/drawingml/2006/main" name="Droplet">
   <a:themeElements>
